--- a/CloudDevOpsIntro.pptx
+++ b/CloudDevOpsIntro.pptx
@@ -6712,19 +6712,7 @@
                 <a:cs typeface="Times New Roman"/>
                 <a:sym typeface="Times New Roman"/>
               </a:rPr>
-              <a:t>Steven </a:t>
-            </a:r>
-            <a:r>
-              <a:rPr lang="en-US" sz="2000" b="1" dirty="0" err="1" smtClean="0">
-                <a:solidFill>
-                  <a:srgbClr val="0070C0"/>
-                </a:solidFill>
-                <a:latin typeface="Times New Roman"/>
-                <a:ea typeface="Times New Roman"/>
-                <a:cs typeface="Times New Roman"/>
-                <a:sym typeface="Times New Roman"/>
-              </a:rPr>
-              <a:t>Bochinski</a:t>
+              <a:t>Steven Bochinski</a:t>
             </a:r>
             <a:endParaRPr sz="2000" b="1" cap="none" dirty="0">
               <a:solidFill>
@@ -6796,7 +6784,19 @@
                 <a:cs typeface="Times New Roman"/>
                 <a:sym typeface="Times New Roman"/>
               </a:rPr>
-              <a:t>February 10</a:t>
+              <a:t>February </a:t>
+            </a:r>
+            <a:r>
+              <a:rPr lang="en-US" sz="2000" b="1" dirty="0" smtClean="0">
+                <a:solidFill>
+                  <a:srgbClr val="0070C0"/>
+                </a:solidFill>
+                <a:latin typeface="Times New Roman"/>
+                <a:ea typeface="Times New Roman"/>
+                <a:cs typeface="Times New Roman"/>
+                <a:sym typeface="Times New Roman"/>
+              </a:rPr>
+              <a:t>04</a:t>
             </a:r>
             <a:r>
               <a:rPr lang="en-US" sz="2000" b="1" cap="none" dirty="0" smtClean="0">
@@ -6913,19 +6913,7 @@
                 <a:cs typeface="Times New Roman"/>
                 <a:sym typeface="Times New Roman"/>
               </a:rPr>
-              <a:t>Per </a:t>
-            </a:r>
-            <a:r>
-              <a:rPr lang="en-US" sz="2800" b="1" i="0" u="none" strike="noStrike" cap="none" dirty="0" err="1" smtClean="0">
-                <a:solidFill>
-                  <a:srgbClr val="0070C0"/>
-                </a:solidFill>
-                <a:latin typeface="Times New Roman"/>
-                <a:ea typeface="Times New Roman"/>
-                <a:cs typeface="Times New Roman"/>
-                <a:sym typeface="Times New Roman"/>
-              </a:rPr>
-              <a:t>Scholas</a:t>
+              <a:t>Per Scholas</a:t>
             </a:r>
             <a:endParaRPr sz="2800" b="1" dirty="0">
               <a:solidFill>
@@ -7066,34 +7054,10 @@
                 <a:cs typeface="Times New Roman"/>
                 <a:sym typeface="Times New Roman"/>
               </a:rPr>
-              <a:t>By:  </a:t>
+              <a:t>By:  Jesh </a:t>
             </a:r>
             <a:r>
-              <a:rPr lang="en-US" sz="2000" dirty="0" err="1" smtClean="0">
-                <a:solidFill>
-                  <a:srgbClr val="0070C0"/>
-                </a:solidFill>
-                <a:latin typeface="Times New Roman"/>
-                <a:ea typeface="Times New Roman"/>
-                <a:cs typeface="Times New Roman"/>
-                <a:sym typeface="Times New Roman"/>
-              </a:rPr>
-              <a:t>Jesh</a:t>
-            </a:r>
-            <a:r>
-              <a:rPr lang="en-US" sz="2000" dirty="0" smtClean="0">
-                <a:solidFill>
-                  <a:srgbClr val="0070C0"/>
-                </a:solidFill>
-                <a:latin typeface="Times New Roman"/>
-                <a:ea typeface="Times New Roman"/>
-                <a:cs typeface="Times New Roman"/>
-                <a:sym typeface="Times New Roman"/>
-              </a:rPr>
-              <a:t> </a:t>
-            </a:r>
-            <a:r>
-              <a:rPr lang="en-US" sz="2000" dirty="0" err="1">
+              <a:rPr lang="en-US" sz="2000" dirty="0">
                 <a:solidFill>
                   <a:srgbClr val="0070C0"/>
                 </a:solidFill>
@@ -7258,11 +7222,11 @@
   <p:clrMapOvr>
     <a:masterClrMapping/>
   </p:clrMapOvr>
-  <mc:AlternateContent xmlns:mc="http://schemas.openxmlformats.org/markup-compatibility/2006">
-    <mc:Choice xmlns:p14="http://schemas.microsoft.com/office/powerpoint/2010/main" Requires="p14">
+  <mc:AlternateContent xmlns:mc="http://schemas.openxmlformats.org/markup-compatibility/2006" xmlns:p14="http://schemas.microsoft.com/office/powerpoint/2010/main">
+    <mc:Choice Requires="p14">
       <p:transition p14:dur="0" advClick="0"/>
     </mc:Choice>
-    <mc:Fallback>
+    <mc:Fallback xmlns="">
       <p:transition advClick="0"/>
     </mc:Fallback>
   </mc:AlternateContent>
@@ -7501,11 +7465,11 @@
   <p:clrMapOvr>
     <a:masterClrMapping/>
   </p:clrMapOvr>
-  <mc:AlternateContent xmlns:mc="http://schemas.openxmlformats.org/markup-compatibility/2006">
-    <mc:Choice xmlns:p14="http://schemas.microsoft.com/office/powerpoint/2010/main" Requires="p14">
+  <mc:AlternateContent xmlns:mc="http://schemas.openxmlformats.org/markup-compatibility/2006" xmlns:p14="http://schemas.microsoft.com/office/powerpoint/2010/main">
+    <mc:Choice Requires="p14">
       <p:transition p14:dur="0"/>
     </mc:Choice>
-    <mc:Fallback>
+    <mc:Fallback xmlns="">
       <p:transition/>
     </mc:Fallback>
   </mc:AlternateContent>
@@ -8039,11 +8003,11 @@
   <p:clrMapOvr>
     <a:masterClrMapping/>
   </p:clrMapOvr>
-  <mc:AlternateContent xmlns:mc="http://schemas.openxmlformats.org/markup-compatibility/2006">
-    <mc:Choice xmlns:p14="http://schemas.microsoft.com/office/powerpoint/2010/main" Requires="p14">
+  <mc:AlternateContent xmlns:mc="http://schemas.openxmlformats.org/markup-compatibility/2006" xmlns:p14="http://schemas.microsoft.com/office/powerpoint/2010/main">
+    <mc:Choice Requires="p14">
       <p:transition p14:dur="0"/>
     </mc:Choice>
-    <mc:Fallback>
+    <mc:Fallback xmlns="">
       <p:transition/>
     </mc:Fallback>
   </mc:AlternateContent>
@@ -8297,11 +8261,11 @@
   <p:clrMapOvr>
     <a:masterClrMapping/>
   </p:clrMapOvr>
-  <mc:AlternateContent xmlns:mc="http://schemas.openxmlformats.org/markup-compatibility/2006">
-    <mc:Choice xmlns:p14="http://schemas.microsoft.com/office/powerpoint/2010/main" Requires="p14">
+  <mc:AlternateContent xmlns:mc="http://schemas.openxmlformats.org/markup-compatibility/2006" xmlns:p14="http://schemas.microsoft.com/office/powerpoint/2010/main">
+    <mc:Choice Requires="p14">
       <p:transition p14:dur="0"/>
     </mc:Choice>
-    <mc:Fallback>
+    <mc:Fallback xmlns="">
       <p:transition/>
     </mc:Fallback>
   </mc:AlternateContent>
